--- a/docs/presentations/session_3.pptx
+++ b/docs/presentations/session_3.pptx
@@ -8,8 +8,11 @@
   <p:sldIdLst>
     <p:sldId id="256" r:id="rId3"/>
     <p:sldId id="257" r:id="rId4"/>
-    <p:sldId id="258" r:id="rId5"/>
-    <p:sldId id="259" r:id="rId6"/>
+    <p:sldId id="261" r:id="rId5"/>
+    <p:sldId id="260" r:id="rId6"/>
+    <p:sldId id="258" r:id="rId7"/>
+    <p:sldId id="262" r:id="rId8"/>
+    <p:sldId id="259" r:id="rId9"/>
   </p:sldIdLst>
   <p:sldSz cx="12192000" cy="6858000"/>
   <p:notesSz cx="6858000" cy="9144000"/>
@@ -6319,18 +6322,18 @@
           <a:lstStyle/>
           <a:p>
             <a:r>
-              <a:rPr lang="en-US" dirty="0" smtClean="0"/>
+              <a:rPr lang="en-US" b="1" i="1" dirty="0" smtClean="0"/>
               <a:t>TDI – </a:t>
             </a:r>
             <a:r>
-              <a:rPr lang="en-US" dirty="0" err="1" smtClean="0"/>
+              <a:rPr lang="en-US" b="1" i="1" dirty="0" err="1" smtClean="0"/>
               <a:t>eScience</a:t>
             </a:r>
             <a:r>
-              <a:rPr lang="en-US" dirty="0" smtClean="0"/>
+              <a:rPr lang="en-US" b="1" i="1" dirty="0" smtClean="0"/>
               <a:t> Infrastructure</a:t>
             </a:r>
-            <a:endParaRPr lang="en-US" dirty="0"/>
+            <a:endParaRPr lang="en-US" b="1" i="1" dirty="0"/>
           </a:p>
         </p:txBody>
       </p:sp>
@@ -6351,15 +6354,27 @@
           <a:p>
             <a:r>
               <a:rPr lang="en-US" dirty="0" smtClean="0"/>
-              <a:t>Romulo, Jisk, Niels and Stefan</a:t>
-            </a:r>
-          </a:p>
-          <a:p>
+              <a:t>Romulo, Jisk, </a:t>
+            </a:r>
             <a:r>
               <a:rPr lang="en-US" dirty="0" smtClean="0"/>
-              <a:t>…Jason…</a:t>
-            </a:r>
-            <a:endParaRPr lang="en-US" dirty="0"/>
+              <a:t>Niels </a:t>
+            </a:r>
+            <a:r>
+              <a:rPr lang="en-US" dirty="0" smtClean="0"/>
+              <a:t>and </a:t>
+            </a:r>
+            <a:r>
+              <a:rPr lang="en-US" dirty="0" smtClean="0"/>
+              <a:t>Stefan</a:t>
+            </a:r>
+          </a:p>
+          <a:p>
+            <a:r>
+              <a:rPr lang="en-US" dirty="0" err="1" smtClean="0"/>
+              <a:t>NLeSC</a:t>
+            </a:r>
+            <a:endParaRPr lang="en-US" dirty="0" smtClean="0"/>
           </a:p>
         </p:txBody>
       </p:sp>
@@ -10037,6 +10052,659 @@
         </p:nvSpPr>
         <p:spPr/>
         <p:txBody>
+          <a:bodyPr/>
+          <a:lstStyle/>
+          <a:p>
+            <a:pPr algn="ctr"/>
+            <a:r>
+              <a:rPr lang="en-US" b="1" i="1" dirty="0" smtClean="0"/>
+              <a:t>File Browser…</a:t>
+            </a:r>
+            <a:endParaRPr lang="en-US" b="1" i="1" dirty="0"/>
+          </a:p>
+        </p:txBody>
+      </p:sp>
+      <p:sp>
+        <p:nvSpPr>
+          <p:cNvPr id="3" name="Content Placeholder 2"/>
+          <p:cNvSpPr>
+            <a:spLocks noGrp="1"/>
+          </p:cNvSpPr>
+          <p:nvPr>
+            <p:ph idx="1"/>
+          </p:nvPr>
+        </p:nvSpPr>
+        <p:spPr/>
+        <p:txBody>
+          <a:bodyPr/>
+          <a:lstStyle/>
+          <a:p>
+            <a:endParaRPr lang="en-US" dirty="0" smtClean="0"/>
+          </a:p>
+          <a:p>
+            <a:endParaRPr lang="en-US" dirty="0"/>
+          </a:p>
+        </p:txBody>
+      </p:sp>
+      <p:pic>
+        <p:nvPicPr>
+          <p:cNvPr id="6" name="Picture 5">
+            <a:hlinkClick r:id="rId2"/>
+          </p:cNvPr>
+          <p:cNvPicPr>
+            <a:picLocks noChangeAspect="1"/>
+          </p:cNvPicPr>
+          <p:nvPr/>
+        </p:nvPicPr>
+        <p:blipFill>
+          <a:blip r:embed="rId3"/>
+          <a:stretch>
+            <a:fillRect/>
+          </a:stretch>
+        </p:blipFill>
+        <p:spPr>
+          <a:xfrm>
+            <a:off x="1549403" y="1528332"/>
+            <a:ext cx="9093198" cy="5114924"/>
+          </a:xfrm>
+          <a:prstGeom prst="rect">
+            <a:avLst/>
+          </a:prstGeom>
+        </p:spPr>
+      </p:pic>
+    </p:spTree>
+    <p:extLst>
+      <p:ext uri="{BB962C8B-B14F-4D97-AF65-F5344CB8AC3E}">
+        <p14:creationId xmlns:p14="http://schemas.microsoft.com/office/powerpoint/2010/main" val="3094969853"/>
+      </p:ext>
+    </p:extLst>
+  </p:cSld>
+  <p:clrMapOvr>
+    <a:masterClrMapping/>
+  </p:clrMapOvr>
+  <p:timing>
+    <p:tnLst>
+      <p:par>
+        <p:cTn id="1" dur="indefinite" restart="never" nodeType="tmRoot"/>
+      </p:par>
+    </p:tnLst>
+  </p:timing>
+</p:sld>
+</file>
+
+<file path=ppt/slides/slide4.xml><?xml version="1.0" encoding="utf-8"?>
+<p:sld xmlns:a="http://schemas.openxmlformats.org/drawingml/2006/main" xmlns:r="http://schemas.openxmlformats.org/officeDocument/2006/relationships" xmlns:p="http://schemas.openxmlformats.org/presentationml/2006/main">
+  <p:cSld>
+    <p:spTree>
+      <p:nvGrpSpPr>
+        <p:cNvPr id="1" name=""/>
+        <p:cNvGrpSpPr/>
+        <p:nvPr/>
+      </p:nvGrpSpPr>
+      <p:grpSpPr>
+        <a:xfrm>
+          <a:off x="0" y="0"/>
+          <a:ext cx="0" cy="0"/>
+          <a:chOff x="0" y="0"/>
+          <a:chExt cx="0" cy="0"/>
+        </a:xfrm>
+      </p:grpSpPr>
+      <p:sp>
+        <p:nvSpPr>
+          <p:cNvPr id="2" name="Title 1"/>
+          <p:cNvSpPr>
+            <a:spLocks noGrp="1"/>
+          </p:cNvSpPr>
+          <p:nvPr>
+            <p:ph type="title"/>
+          </p:nvPr>
+        </p:nvSpPr>
+        <p:spPr/>
+        <p:txBody>
+          <a:bodyPr/>
+          <a:lstStyle/>
+          <a:p>
+            <a:pPr algn="ctr"/>
+            <a:r>
+              <a:rPr lang="en-US" b="1" i="1" dirty="0" smtClean="0"/>
+              <a:t>Demo???</a:t>
+            </a:r>
+            <a:endParaRPr lang="en-US" b="1" i="1" dirty="0"/>
+          </a:p>
+        </p:txBody>
+      </p:sp>
+      <p:sp>
+        <p:nvSpPr>
+          <p:cNvPr id="3" name="Content Placeholder 2"/>
+          <p:cNvSpPr>
+            <a:spLocks noGrp="1"/>
+          </p:cNvSpPr>
+          <p:nvPr>
+            <p:ph idx="1"/>
+          </p:nvPr>
+        </p:nvSpPr>
+        <p:spPr/>
+        <p:txBody>
+          <a:bodyPr>
+            <a:normAutofit lnSpcReduction="10000"/>
+          </a:bodyPr>
+          <a:lstStyle/>
+          <a:p>
+            <a:r>
+              <a:rPr lang="en-US" dirty="0" smtClean="0"/>
+              <a:t>Data</a:t>
+            </a:r>
+          </a:p>
+          <a:p>
+            <a:pPr lvl="1"/>
+            <a:r>
+              <a:rPr lang="en-US" dirty="0" smtClean="0"/>
+              <a:t>Panama papers</a:t>
+            </a:r>
+          </a:p>
+          <a:p>
+            <a:pPr lvl="1"/>
+            <a:endParaRPr lang="en-US" dirty="0"/>
+          </a:p>
+          <a:p>
+            <a:r>
+              <a:rPr lang="en-US" dirty="0" smtClean="0"/>
+              <a:t>Perform analysis </a:t>
+            </a:r>
+            <a:r>
+              <a:rPr lang="en-US" sz="2200" dirty="0" smtClean="0">
+                <a:solidFill>
+                  <a:srgbClr val="FF0000"/>
+                </a:solidFill>
+              </a:rPr>
+              <a:t>(Does Maarten has an offshore?)</a:t>
+            </a:r>
+          </a:p>
+          <a:p>
+            <a:pPr lvl="1"/>
+            <a:r>
+              <a:rPr lang="en-US" dirty="0">
+                <a:hlinkClick r:id="rId2"/>
+              </a:rPr>
+              <a:t>https://</a:t>
+            </a:r>
+            <a:r>
+              <a:rPr lang="en-US" dirty="0" smtClean="0">
+                <a:hlinkClick r:id="rId2"/>
+              </a:rPr>
+              <a:t>github.com/nlesc-sherlock/spark-flask/blob/master/app.py</a:t>
+            </a:r>
+            <a:endParaRPr lang="en-US" dirty="0" smtClean="0"/>
+          </a:p>
+          <a:p>
+            <a:pPr lvl="1"/>
+            <a:endParaRPr lang="en-US" dirty="0"/>
+          </a:p>
+          <a:p>
+            <a:r>
+              <a:rPr lang="en-US" dirty="0" smtClean="0"/>
+              <a:t>Visualize result</a:t>
+            </a:r>
+          </a:p>
+          <a:p>
+            <a:pPr lvl="1"/>
+            <a:r>
+              <a:rPr lang="en-US" dirty="0" smtClean="0"/>
+              <a:t>User interface:</a:t>
+            </a:r>
+          </a:p>
+          <a:p>
+            <a:pPr lvl="2"/>
+            <a:r>
+              <a:rPr lang="en-US" dirty="0" smtClean="0">
+                <a:hlinkClick r:id="rId3"/>
+              </a:rPr>
+              <a:t>http</a:t>
+            </a:r>
+            <a:r>
+              <a:rPr lang="en-US" dirty="0">
+                <a:hlinkClick r:id="rId3"/>
+              </a:rPr>
+              <a:t>://</a:t>
+            </a:r>
+            <a:r>
+              <a:rPr lang="en-US" dirty="0" smtClean="0">
+                <a:hlinkClick r:id="rId3"/>
+              </a:rPr>
+              <a:t>emma2.sherlock-nlesc.vm.surfsara.nl:8081/table</a:t>
+            </a:r>
+            <a:endParaRPr lang="en-US" dirty="0" smtClean="0"/>
+          </a:p>
+          <a:p>
+            <a:pPr lvl="1"/>
+            <a:r>
+              <a:rPr lang="en-US" dirty="0" smtClean="0"/>
+              <a:t>Spark:</a:t>
+            </a:r>
+          </a:p>
+          <a:p>
+            <a:pPr lvl="2"/>
+            <a:r>
+              <a:rPr lang="en-US" dirty="0">
+                <a:hlinkClick r:id="rId4"/>
+              </a:rPr>
+              <a:t>http://</a:t>
+            </a:r>
+            <a:r>
+              <a:rPr lang="en-US" dirty="0" smtClean="0">
+                <a:hlinkClick r:id="rId4"/>
+              </a:rPr>
+              <a:t>emma2.sherlock-nlesc.vm.surfsara.nl:4040</a:t>
+            </a:r>
+            <a:endParaRPr lang="en-US" dirty="0"/>
+          </a:p>
+        </p:txBody>
+      </p:sp>
+    </p:spTree>
+    <p:extLst>
+      <p:ext uri="{BB962C8B-B14F-4D97-AF65-F5344CB8AC3E}">
+        <p14:creationId xmlns:p14="http://schemas.microsoft.com/office/powerpoint/2010/main" val="414427269"/>
+      </p:ext>
+    </p:extLst>
+  </p:cSld>
+  <p:clrMapOvr>
+    <a:masterClrMapping/>
+  </p:clrMapOvr>
+  <p:timing>
+    <p:tnLst>
+      <p:par>
+        <p:cTn id="1" dur="indefinite" restart="never" nodeType="tmRoot">
+          <p:childTnLst>
+            <p:seq concurrent="1" nextAc="seek">
+              <p:cTn id="2" dur="indefinite" nodeType="mainSeq">
+                <p:childTnLst>
+                  <p:par>
+                    <p:cTn id="3" fill="hold">
+                      <p:stCondLst>
+                        <p:cond delay="indefinite"/>
+                      </p:stCondLst>
+                      <p:childTnLst>
+                        <p:par>
+                          <p:cTn id="4" fill="hold">
+                            <p:stCondLst>
+                              <p:cond delay="0"/>
+                            </p:stCondLst>
+                            <p:childTnLst>
+                              <p:par>
+                                <p:cTn id="5" presetID="1" presetClass="entr" presetSubtype="0" fill="hold" nodeType="clickEffect">
+                                  <p:stCondLst>
+                                    <p:cond delay="0"/>
+                                  </p:stCondLst>
+                                  <p:childTnLst>
+                                    <p:set>
+                                      <p:cBhvr>
+                                        <p:cTn id="6" dur="1" fill="hold">
+                                          <p:stCondLst>
+                                            <p:cond delay="0"/>
+                                          </p:stCondLst>
+                                        </p:cTn>
+                                        <p:tgtEl>
+                                          <p:spTgt spid="3">
+                                            <p:txEl>
+                                              <p:pRg st="0" end="0"/>
+                                            </p:txEl>
+                                          </p:spTgt>
+                                        </p:tgtEl>
+                                        <p:attrNameLst>
+                                          <p:attrName>style.visibility</p:attrName>
+                                        </p:attrNameLst>
+                                      </p:cBhvr>
+                                      <p:to>
+                                        <p:strVal val="visible"/>
+                                      </p:to>
+                                    </p:set>
+                                  </p:childTnLst>
+                                </p:cTn>
+                              </p:par>
+                              <p:par>
+                                <p:cTn id="7" presetID="1" presetClass="entr" presetSubtype="0" fill="hold" nodeType="withEffect">
+                                  <p:stCondLst>
+                                    <p:cond delay="0"/>
+                                  </p:stCondLst>
+                                  <p:childTnLst>
+                                    <p:set>
+                                      <p:cBhvr>
+                                        <p:cTn id="8" dur="1" fill="hold">
+                                          <p:stCondLst>
+                                            <p:cond delay="0"/>
+                                          </p:stCondLst>
+                                        </p:cTn>
+                                        <p:tgtEl>
+                                          <p:spTgt spid="3">
+                                            <p:txEl>
+                                              <p:pRg st="1" end="1"/>
+                                            </p:txEl>
+                                          </p:spTgt>
+                                        </p:tgtEl>
+                                        <p:attrNameLst>
+                                          <p:attrName>style.visibility</p:attrName>
+                                        </p:attrNameLst>
+                                      </p:cBhvr>
+                                      <p:to>
+                                        <p:strVal val="visible"/>
+                                      </p:to>
+                                    </p:set>
+                                  </p:childTnLst>
+                                </p:cTn>
+                              </p:par>
+                            </p:childTnLst>
+                          </p:cTn>
+                        </p:par>
+                      </p:childTnLst>
+                    </p:cTn>
+                  </p:par>
+                  <p:par>
+                    <p:cTn id="9" fill="hold">
+                      <p:stCondLst>
+                        <p:cond delay="indefinite"/>
+                      </p:stCondLst>
+                      <p:childTnLst>
+                        <p:par>
+                          <p:cTn id="10" fill="hold">
+                            <p:stCondLst>
+                              <p:cond delay="0"/>
+                            </p:stCondLst>
+                            <p:childTnLst>
+                              <p:par>
+                                <p:cTn id="11" presetID="1" presetClass="entr" presetSubtype="0" fill="hold" nodeType="clickEffect">
+                                  <p:stCondLst>
+                                    <p:cond delay="0"/>
+                                  </p:stCondLst>
+                                  <p:childTnLst>
+                                    <p:set>
+                                      <p:cBhvr>
+                                        <p:cTn id="12" dur="1" fill="hold">
+                                          <p:stCondLst>
+                                            <p:cond delay="0"/>
+                                          </p:stCondLst>
+                                        </p:cTn>
+                                        <p:tgtEl>
+                                          <p:spTgt spid="3">
+                                            <p:txEl>
+                                              <p:pRg st="3" end="3"/>
+                                            </p:txEl>
+                                          </p:spTgt>
+                                        </p:tgtEl>
+                                        <p:attrNameLst>
+                                          <p:attrName>style.visibility</p:attrName>
+                                        </p:attrNameLst>
+                                      </p:cBhvr>
+                                      <p:to>
+                                        <p:strVal val="visible"/>
+                                      </p:to>
+                                    </p:set>
+                                  </p:childTnLst>
+                                </p:cTn>
+                              </p:par>
+                              <p:par>
+                                <p:cTn id="13" presetID="1" presetClass="entr" presetSubtype="0" fill="hold" nodeType="withEffect">
+                                  <p:stCondLst>
+                                    <p:cond delay="0"/>
+                                  </p:stCondLst>
+                                  <p:childTnLst>
+                                    <p:set>
+                                      <p:cBhvr>
+                                        <p:cTn id="14" dur="1" fill="hold">
+                                          <p:stCondLst>
+                                            <p:cond delay="0"/>
+                                          </p:stCondLst>
+                                        </p:cTn>
+                                        <p:tgtEl>
+                                          <p:spTgt spid="3">
+                                            <p:txEl>
+                                              <p:pRg st="4" end="4"/>
+                                            </p:txEl>
+                                          </p:spTgt>
+                                        </p:tgtEl>
+                                        <p:attrNameLst>
+                                          <p:attrName>style.visibility</p:attrName>
+                                        </p:attrNameLst>
+                                      </p:cBhvr>
+                                      <p:to>
+                                        <p:strVal val="visible"/>
+                                      </p:to>
+                                    </p:set>
+                                  </p:childTnLst>
+                                </p:cTn>
+                              </p:par>
+                            </p:childTnLst>
+                          </p:cTn>
+                        </p:par>
+                      </p:childTnLst>
+                    </p:cTn>
+                  </p:par>
+                  <p:par>
+                    <p:cTn id="15" fill="hold">
+                      <p:stCondLst>
+                        <p:cond delay="indefinite"/>
+                      </p:stCondLst>
+                      <p:childTnLst>
+                        <p:par>
+                          <p:cTn id="16" fill="hold">
+                            <p:stCondLst>
+                              <p:cond delay="0"/>
+                            </p:stCondLst>
+                            <p:childTnLst>
+                              <p:par>
+                                <p:cTn id="17" presetID="1" presetClass="entr" presetSubtype="0" fill="hold" nodeType="clickEffect">
+                                  <p:stCondLst>
+                                    <p:cond delay="0"/>
+                                  </p:stCondLst>
+                                  <p:childTnLst>
+                                    <p:set>
+                                      <p:cBhvr>
+                                        <p:cTn id="18" dur="1" fill="hold">
+                                          <p:stCondLst>
+                                            <p:cond delay="0"/>
+                                          </p:stCondLst>
+                                        </p:cTn>
+                                        <p:tgtEl>
+                                          <p:spTgt spid="3">
+                                            <p:txEl>
+                                              <p:pRg st="6" end="6"/>
+                                            </p:txEl>
+                                          </p:spTgt>
+                                        </p:tgtEl>
+                                        <p:attrNameLst>
+                                          <p:attrName>style.visibility</p:attrName>
+                                        </p:attrNameLst>
+                                      </p:cBhvr>
+                                      <p:to>
+                                        <p:strVal val="visible"/>
+                                      </p:to>
+                                    </p:set>
+                                  </p:childTnLst>
+                                </p:cTn>
+                              </p:par>
+                              <p:par>
+                                <p:cTn id="19" presetID="1" presetClass="entr" presetSubtype="0" fill="hold" nodeType="withEffect">
+                                  <p:stCondLst>
+                                    <p:cond delay="0"/>
+                                  </p:stCondLst>
+                                  <p:childTnLst>
+                                    <p:set>
+                                      <p:cBhvr>
+                                        <p:cTn id="20" dur="1" fill="hold">
+                                          <p:stCondLst>
+                                            <p:cond delay="0"/>
+                                          </p:stCondLst>
+                                        </p:cTn>
+                                        <p:tgtEl>
+                                          <p:spTgt spid="3">
+                                            <p:txEl>
+                                              <p:pRg st="7" end="7"/>
+                                            </p:txEl>
+                                          </p:spTgt>
+                                        </p:tgtEl>
+                                        <p:attrNameLst>
+                                          <p:attrName>style.visibility</p:attrName>
+                                        </p:attrNameLst>
+                                      </p:cBhvr>
+                                      <p:to>
+                                        <p:strVal val="visible"/>
+                                      </p:to>
+                                    </p:set>
+                                  </p:childTnLst>
+                                </p:cTn>
+                              </p:par>
+                              <p:par>
+                                <p:cTn id="21" presetID="1" presetClass="entr" presetSubtype="0" fill="hold" nodeType="withEffect">
+                                  <p:stCondLst>
+                                    <p:cond delay="0"/>
+                                  </p:stCondLst>
+                                  <p:childTnLst>
+                                    <p:set>
+                                      <p:cBhvr>
+                                        <p:cTn id="22" dur="1" fill="hold">
+                                          <p:stCondLst>
+                                            <p:cond delay="0"/>
+                                          </p:stCondLst>
+                                        </p:cTn>
+                                        <p:tgtEl>
+                                          <p:spTgt spid="3">
+                                            <p:txEl>
+                                              <p:pRg st="8" end="8"/>
+                                            </p:txEl>
+                                          </p:spTgt>
+                                        </p:tgtEl>
+                                        <p:attrNameLst>
+                                          <p:attrName>style.visibility</p:attrName>
+                                        </p:attrNameLst>
+                                      </p:cBhvr>
+                                      <p:to>
+                                        <p:strVal val="visible"/>
+                                      </p:to>
+                                    </p:set>
+                                  </p:childTnLst>
+                                </p:cTn>
+                              </p:par>
+                              <p:par>
+                                <p:cTn id="23" presetID="1" presetClass="entr" presetSubtype="0" fill="hold" nodeType="withEffect">
+                                  <p:stCondLst>
+                                    <p:cond delay="0"/>
+                                  </p:stCondLst>
+                                  <p:childTnLst>
+                                    <p:set>
+                                      <p:cBhvr>
+                                        <p:cTn id="24" dur="1" fill="hold">
+                                          <p:stCondLst>
+                                            <p:cond delay="0"/>
+                                          </p:stCondLst>
+                                        </p:cTn>
+                                        <p:tgtEl>
+                                          <p:spTgt spid="3">
+                                            <p:txEl>
+                                              <p:pRg st="9" end="9"/>
+                                            </p:txEl>
+                                          </p:spTgt>
+                                        </p:tgtEl>
+                                        <p:attrNameLst>
+                                          <p:attrName>style.visibility</p:attrName>
+                                        </p:attrNameLst>
+                                      </p:cBhvr>
+                                      <p:to>
+                                        <p:strVal val="visible"/>
+                                      </p:to>
+                                    </p:set>
+                                  </p:childTnLst>
+                                </p:cTn>
+                              </p:par>
+                              <p:par>
+                                <p:cTn id="25" presetID="1" presetClass="entr" presetSubtype="0" fill="hold" nodeType="withEffect">
+                                  <p:stCondLst>
+                                    <p:cond delay="0"/>
+                                  </p:stCondLst>
+                                  <p:childTnLst>
+                                    <p:set>
+                                      <p:cBhvr>
+                                        <p:cTn id="26" dur="1" fill="hold">
+                                          <p:stCondLst>
+                                            <p:cond delay="0"/>
+                                          </p:stCondLst>
+                                        </p:cTn>
+                                        <p:tgtEl>
+                                          <p:spTgt spid="3">
+                                            <p:txEl>
+                                              <p:pRg st="10" end="10"/>
+                                            </p:txEl>
+                                          </p:spTgt>
+                                        </p:tgtEl>
+                                        <p:attrNameLst>
+                                          <p:attrName>style.visibility</p:attrName>
+                                        </p:attrNameLst>
+                                      </p:cBhvr>
+                                      <p:to>
+                                        <p:strVal val="visible"/>
+                                      </p:to>
+                                    </p:set>
+                                  </p:childTnLst>
+                                </p:cTn>
+                              </p:par>
+                            </p:childTnLst>
+                          </p:cTn>
+                        </p:par>
+                      </p:childTnLst>
+                    </p:cTn>
+                  </p:par>
+                </p:childTnLst>
+              </p:cTn>
+              <p:prevCondLst>
+                <p:cond evt="onPrev" delay="0">
+                  <p:tgtEl>
+                    <p:sldTgt/>
+                  </p:tgtEl>
+                </p:cond>
+              </p:prevCondLst>
+              <p:nextCondLst>
+                <p:cond evt="onNext" delay="0">
+                  <p:tgtEl>
+                    <p:sldTgt/>
+                  </p:tgtEl>
+                </p:cond>
+              </p:nextCondLst>
+            </p:seq>
+          </p:childTnLst>
+        </p:cTn>
+      </p:par>
+    </p:tnLst>
+  </p:timing>
+</p:sld>
+</file>
+
+<file path=ppt/slides/slide5.xml><?xml version="1.0" encoding="utf-8"?>
+<p:sld xmlns:a="http://schemas.openxmlformats.org/drawingml/2006/main" xmlns:r="http://schemas.openxmlformats.org/officeDocument/2006/relationships" xmlns:p="http://schemas.openxmlformats.org/presentationml/2006/main">
+  <p:cSld>
+    <p:spTree>
+      <p:nvGrpSpPr>
+        <p:cNvPr id="1" name=""/>
+        <p:cNvGrpSpPr/>
+        <p:nvPr/>
+      </p:nvGrpSpPr>
+      <p:grpSpPr>
+        <a:xfrm>
+          <a:off x="0" y="0"/>
+          <a:ext cx="0" cy="0"/>
+          <a:chOff x="0" y="0"/>
+          <a:chExt cx="0" cy="0"/>
+        </a:xfrm>
+      </p:grpSpPr>
+      <p:sp>
+        <p:nvSpPr>
+          <p:cNvPr id="2" name="Title 1"/>
+          <p:cNvSpPr>
+            <a:spLocks noGrp="1"/>
+          </p:cNvSpPr>
+          <p:nvPr>
+            <p:ph type="title"/>
+          </p:nvPr>
+        </p:nvSpPr>
+        <p:spPr/>
+        <p:txBody>
           <a:bodyPr>
             <a:normAutofit/>
           </a:bodyPr>
@@ -10402,7 +11070,458 @@
 </p:sld>
 </file>
 
-<file path=ppt/slides/slide4.xml><?xml version="1.0" encoding="utf-8"?>
+<file path=ppt/slides/slide6.xml><?xml version="1.0" encoding="utf-8"?>
+<p:sld xmlns:a="http://schemas.openxmlformats.org/drawingml/2006/main" xmlns:r="http://schemas.openxmlformats.org/officeDocument/2006/relationships" xmlns:p="http://schemas.openxmlformats.org/presentationml/2006/main">
+  <p:cSld>
+    <p:spTree>
+      <p:nvGrpSpPr>
+        <p:cNvPr id="1" name=""/>
+        <p:cNvGrpSpPr/>
+        <p:nvPr/>
+      </p:nvGrpSpPr>
+      <p:grpSpPr>
+        <a:xfrm>
+          <a:off x="0" y="0"/>
+          <a:ext cx="0" cy="0"/>
+          <a:chOff x="0" y="0"/>
+          <a:chExt cx="0" cy="0"/>
+        </a:xfrm>
+      </p:grpSpPr>
+      <p:sp>
+        <p:nvSpPr>
+          <p:cNvPr id="2" name="Title 1"/>
+          <p:cNvSpPr>
+            <a:spLocks noGrp="1"/>
+          </p:cNvSpPr>
+          <p:nvPr>
+            <p:ph type="title"/>
+          </p:nvPr>
+        </p:nvSpPr>
+        <p:spPr/>
+        <p:txBody>
+          <a:bodyPr/>
+          <a:lstStyle/>
+          <a:p>
+            <a:pPr algn="ctr"/>
+            <a:r>
+              <a:rPr lang="en-US" b="1" i="1" dirty="0" smtClean="0"/>
+              <a:t>Future work</a:t>
+            </a:r>
+            <a:endParaRPr lang="en-US" b="1" i="1" dirty="0"/>
+          </a:p>
+        </p:txBody>
+      </p:sp>
+      <p:sp>
+        <p:nvSpPr>
+          <p:cNvPr id="3" name="Content Placeholder 2"/>
+          <p:cNvSpPr>
+            <a:spLocks noGrp="1"/>
+          </p:cNvSpPr>
+          <p:nvPr>
+            <p:ph idx="1"/>
+          </p:nvPr>
+        </p:nvSpPr>
+        <p:spPr/>
+        <p:txBody>
+          <a:bodyPr>
+            <a:normAutofit fontScale="85000" lnSpcReduction="20000"/>
+          </a:bodyPr>
+          <a:lstStyle/>
+          <a:p>
+            <a:r>
+              <a:rPr lang="en-US" dirty="0" smtClean="0"/>
+              <a:t>TODO:</a:t>
+            </a:r>
+          </a:p>
+          <a:p>
+            <a:pPr lvl="1"/>
+            <a:r>
+              <a:rPr lang="en-US" dirty="0" smtClean="0"/>
+              <a:t>Deploy Sherlock’s use cases to our infrastructure</a:t>
+            </a:r>
+          </a:p>
+          <a:p>
+            <a:pPr lvl="1"/>
+            <a:r>
+              <a:rPr lang="en-US" dirty="0"/>
+              <a:t>Ingestion </a:t>
+            </a:r>
+            <a:r>
+              <a:rPr lang="en-US" dirty="0" err="1"/>
+              <a:t>Gui</a:t>
+            </a:r>
+            <a:endParaRPr lang="en-US" dirty="0"/>
+          </a:p>
+          <a:p>
+            <a:pPr lvl="1"/>
+            <a:r>
+              <a:rPr lang="en-US" dirty="0"/>
+              <a:t>GPU in Docker swarm</a:t>
+            </a:r>
+            <a:endParaRPr lang="en-US" dirty="0" smtClean="0"/>
+          </a:p>
+          <a:p>
+            <a:endParaRPr lang="en-US" dirty="0" smtClean="0"/>
+          </a:p>
+          <a:p>
+            <a:r>
+              <a:rPr lang="en-US" dirty="0"/>
+              <a:t>“Why” documentation for </a:t>
+            </a:r>
+            <a:r>
+              <a:rPr lang="en-US" dirty="0" err="1"/>
+              <a:t>eStep</a:t>
+            </a:r>
+            <a:endParaRPr lang="en-US" dirty="0"/>
+          </a:p>
+          <a:p>
+            <a:endParaRPr lang="en-US" dirty="0" smtClean="0"/>
+          </a:p>
+          <a:p>
+            <a:r>
+              <a:rPr lang="en-US" dirty="0" smtClean="0"/>
+              <a:t>To investigate:</a:t>
+            </a:r>
+          </a:p>
+          <a:p>
+            <a:pPr lvl="1"/>
+            <a:r>
+              <a:rPr lang="en-US" dirty="0" smtClean="0"/>
+              <a:t>Docker on Yarn</a:t>
+            </a:r>
+          </a:p>
+          <a:p>
+            <a:pPr lvl="1"/>
+            <a:r>
+              <a:rPr lang="en-US" dirty="0" smtClean="0"/>
+              <a:t>Spark inside Docker to run on Docker swarm</a:t>
+            </a:r>
+          </a:p>
+          <a:p>
+            <a:pPr lvl="1"/>
+            <a:r>
+              <a:rPr lang="en-US" dirty="0"/>
+              <a:t>Workflow </a:t>
+            </a:r>
+            <a:r>
+              <a:rPr lang="en-US" dirty="0" err="1"/>
+              <a:t>dockers</a:t>
+            </a:r>
+            <a:endParaRPr lang="en-US" dirty="0"/>
+          </a:p>
+          <a:p>
+            <a:pPr lvl="1"/>
+            <a:r>
+              <a:rPr lang="en-US" dirty="0" smtClean="0"/>
+              <a:t>Elastic Search / MongoDB / PostgreSQL</a:t>
+            </a:r>
+          </a:p>
+          <a:p>
+            <a:pPr lvl="1"/>
+            <a:r>
+              <a:rPr lang="en-US" dirty="0" smtClean="0"/>
+              <a:t>In-situ data access</a:t>
+            </a:r>
+          </a:p>
+        </p:txBody>
+      </p:sp>
+    </p:spTree>
+    <p:extLst>
+      <p:ext uri="{BB962C8B-B14F-4D97-AF65-F5344CB8AC3E}">
+        <p14:creationId xmlns:p14="http://schemas.microsoft.com/office/powerpoint/2010/main" val="1105629700"/>
+      </p:ext>
+    </p:extLst>
+  </p:cSld>
+  <p:clrMapOvr>
+    <a:masterClrMapping/>
+  </p:clrMapOvr>
+  <p:timing>
+    <p:tnLst>
+      <p:par>
+        <p:cTn id="1" dur="indefinite" restart="never" nodeType="tmRoot">
+          <p:childTnLst>
+            <p:seq concurrent="1" nextAc="seek">
+              <p:cTn id="2" dur="indefinite" nodeType="mainSeq">
+                <p:childTnLst>
+                  <p:par>
+                    <p:cTn id="3" fill="hold">
+                      <p:stCondLst>
+                        <p:cond delay="indefinite"/>
+                      </p:stCondLst>
+                      <p:childTnLst>
+                        <p:par>
+                          <p:cTn id="4" fill="hold">
+                            <p:stCondLst>
+                              <p:cond delay="0"/>
+                            </p:stCondLst>
+                            <p:childTnLst>
+                              <p:par>
+                                <p:cTn id="5" presetID="1" presetClass="entr" presetSubtype="0" fill="hold" nodeType="clickEffect">
+                                  <p:stCondLst>
+                                    <p:cond delay="0"/>
+                                  </p:stCondLst>
+                                  <p:childTnLst>
+                                    <p:set>
+                                      <p:cBhvr>
+                                        <p:cTn id="6" dur="1" fill="hold">
+                                          <p:stCondLst>
+                                            <p:cond delay="0"/>
+                                          </p:stCondLst>
+                                        </p:cTn>
+                                        <p:tgtEl>
+                                          <p:spTgt spid="3">
+                                            <p:txEl>
+                                              <p:pRg st="5" end="5"/>
+                                            </p:txEl>
+                                          </p:spTgt>
+                                        </p:tgtEl>
+                                        <p:attrNameLst>
+                                          <p:attrName>style.visibility</p:attrName>
+                                        </p:attrNameLst>
+                                      </p:cBhvr>
+                                      <p:to>
+                                        <p:strVal val="visible"/>
+                                      </p:to>
+                                    </p:set>
+                                  </p:childTnLst>
+                                </p:cTn>
+                              </p:par>
+                            </p:childTnLst>
+                          </p:cTn>
+                        </p:par>
+                      </p:childTnLst>
+                    </p:cTn>
+                  </p:par>
+                  <p:par>
+                    <p:cTn id="7" fill="hold">
+                      <p:stCondLst>
+                        <p:cond delay="indefinite"/>
+                      </p:stCondLst>
+                      <p:childTnLst>
+                        <p:par>
+                          <p:cTn id="8" fill="hold">
+                            <p:stCondLst>
+                              <p:cond delay="0"/>
+                            </p:stCondLst>
+                            <p:childTnLst>
+                              <p:par>
+                                <p:cTn id="9" presetID="1" presetClass="entr" presetSubtype="0" fill="hold" nodeType="clickEffect">
+                                  <p:stCondLst>
+                                    <p:cond delay="0"/>
+                                  </p:stCondLst>
+                                  <p:childTnLst>
+                                    <p:set>
+                                      <p:cBhvr>
+                                        <p:cTn id="10" dur="1" fill="hold">
+                                          <p:stCondLst>
+                                            <p:cond delay="0"/>
+                                          </p:stCondLst>
+                                        </p:cTn>
+                                        <p:tgtEl>
+                                          <p:spTgt spid="3">
+                                            <p:txEl>
+                                              <p:pRg st="7" end="7"/>
+                                            </p:txEl>
+                                          </p:spTgt>
+                                        </p:tgtEl>
+                                        <p:attrNameLst>
+                                          <p:attrName>style.visibility</p:attrName>
+                                        </p:attrNameLst>
+                                      </p:cBhvr>
+                                      <p:to>
+                                        <p:strVal val="visible"/>
+                                      </p:to>
+                                    </p:set>
+                                  </p:childTnLst>
+                                </p:cTn>
+                              </p:par>
+                              <p:par>
+                                <p:cTn id="11" presetID="1" presetClass="entr" presetSubtype="0" fill="hold" nodeType="withEffect">
+                                  <p:stCondLst>
+                                    <p:cond delay="0"/>
+                                  </p:stCondLst>
+                                  <p:childTnLst>
+                                    <p:set>
+                                      <p:cBhvr>
+                                        <p:cTn id="12" dur="1" fill="hold">
+                                          <p:stCondLst>
+                                            <p:cond delay="0"/>
+                                          </p:stCondLst>
+                                        </p:cTn>
+                                        <p:tgtEl>
+                                          <p:spTgt spid="3">
+                                            <p:txEl>
+                                              <p:pRg st="8" end="8"/>
+                                            </p:txEl>
+                                          </p:spTgt>
+                                        </p:tgtEl>
+                                        <p:attrNameLst>
+                                          <p:attrName>style.visibility</p:attrName>
+                                        </p:attrNameLst>
+                                      </p:cBhvr>
+                                      <p:to>
+                                        <p:strVal val="visible"/>
+                                      </p:to>
+                                    </p:set>
+                                  </p:childTnLst>
+                                </p:cTn>
+                              </p:par>
+                              <p:par>
+                                <p:cTn id="13" presetID="1" presetClass="entr" presetSubtype="0" fill="hold" nodeType="withEffect">
+                                  <p:stCondLst>
+                                    <p:cond delay="0"/>
+                                  </p:stCondLst>
+                                  <p:childTnLst>
+                                    <p:set>
+                                      <p:cBhvr>
+                                        <p:cTn id="14" dur="1" fill="hold">
+                                          <p:stCondLst>
+                                            <p:cond delay="0"/>
+                                          </p:stCondLst>
+                                        </p:cTn>
+                                        <p:tgtEl>
+                                          <p:spTgt spid="3">
+                                            <p:txEl>
+                                              <p:pRg st="9" end="9"/>
+                                            </p:txEl>
+                                          </p:spTgt>
+                                        </p:tgtEl>
+                                        <p:attrNameLst>
+                                          <p:attrName>style.visibility</p:attrName>
+                                        </p:attrNameLst>
+                                      </p:cBhvr>
+                                      <p:to>
+                                        <p:strVal val="visible"/>
+                                      </p:to>
+                                    </p:set>
+                                  </p:childTnLst>
+                                </p:cTn>
+                              </p:par>
+                              <p:par>
+                                <p:cTn id="15" presetID="1" presetClass="entr" presetSubtype="0" fill="hold" nodeType="withEffect">
+                                  <p:stCondLst>
+                                    <p:cond delay="0"/>
+                                  </p:stCondLst>
+                                  <p:childTnLst>
+                                    <p:set>
+                                      <p:cBhvr>
+                                        <p:cTn id="16" dur="1" fill="hold">
+                                          <p:stCondLst>
+                                            <p:cond delay="0"/>
+                                          </p:stCondLst>
+                                        </p:cTn>
+                                        <p:tgtEl>
+                                          <p:spTgt spid="3">
+                                            <p:txEl>
+                                              <p:pRg st="10" end="10"/>
+                                            </p:txEl>
+                                          </p:spTgt>
+                                        </p:tgtEl>
+                                        <p:attrNameLst>
+                                          <p:attrName>style.visibility</p:attrName>
+                                        </p:attrNameLst>
+                                      </p:cBhvr>
+                                      <p:to>
+                                        <p:strVal val="visible"/>
+                                      </p:to>
+                                    </p:set>
+                                  </p:childTnLst>
+                                </p:cTn>
+                              </p:par>
+                              <p:par>
+                                <p:cTn id="17" presetID="1" presetClass="entr" presetSubtype="0" fill="hold" nodeType="withEffect">
+                                  <p:stCondLst>
+                                    <p:cond delay="0"/>
+                                  </p:stCondLst>
+                                  <p:childTnLst>
+                                    <p:set>
+                                      <p:cBhvr>
+                                        <p:cTn id="18" dur="1" fill="hold">
+                                          <p:stCondLst>
+                                            <p:cond delay="0"/>
+                                          </p:stCondLst>
+                                        </p:cTn>
+                                        <p:tgtEl>
+                                          <p:spTgt spid="3">
+                                            <p:txEl>
+                                              <p:pRg st="11" end="11"/>
+                                            </p:txEl>
+                                          </p:spTgt>
+                                        </p:tgtEl>
+                                        <p:attrNameLst>
+                                          <p:attrName>style.visibility</p:attrName>
+                                        </p:attrNameLst>
+                                      </p:cBhvr>
+                                      <p:to>
+                                        <p:strVal val="visible"/>
+                                      </p:to>
+                                    </p:set>
+                                  </p:childTnLst>
+                                </p:cTn>
+                              </p:par>
+                              <p:par>
+                                <p:cTn id="19" presetID="1" presetClass="entr" presetSubtype="0" fill="hold" nodeType="withEffect">
+                                  <p:stCondLst>
+                                    <p:cond delay="0"/>
+                                  </p:stCondLst>
+                                  <p:childTnLst>
+                                    <p:set>
+                                      <p:cBhvr>
+                                        <p:cTn id="20" dur="1" fill="hold">
+                                          <p:stCondLst>
+                                            <p:cond delay="0"/>
+                                          </p:stCondLst>
+                                        </p:cTn>
+                                        <p:tgtEl>
+                                          <p:spTgt spid="3">
+                                            <p:txEl>
+                                              <p:pRg st="12" end="12"/>
+                                            </p:txEl>
+                                          </p:spTgt>
+                                        </p:tgtEl>
+                                        <p:attrNameLst>
+                                          <p:attrName>style.visibility</p:attrName>
+                                        </p:attrNameLst>
+                                      </p:cBhvr>
+                                      <p:to>
+                                        <p:strVal val="visible"/>
+                                      </p:to>
+                                    </p:set>
+                                  </p:childTnLst>
+                                </p:cTn>
+                              </p:par>
+                            </p:childTnLst>
+                          </p:cTn>
+                        </p:par>
+                      </p:childTnLst>
+                    </p:cTn>
+                  </p:par>
+                </p:childTnLst>
+              </p:cTn>
+              <p:prevCondLst>
+                <p:cond evt="onPrev" delay="0">
+                  <p:tgtEl>
+                    <p:sldTgt/>
+                  </p:tgtEl>
+                </p:cond>
+              </p:prevCondLst>
+              <p:nextCondLst>
+                <p:cond evt="onNext" delay="0">
+                  <p:tgtEl>
+                    <p:sldTgt/>
+                  </p:tgtEl>
+                </p:cond>
+              </p:nextCondLst>
+            </p:seq>
+          </p:childTnLst>
+        </p:cTn>
+      </p:par>
+    </p:tnLst>
+  </p:timing>
+</p:sld>
+</file>
+
+<file path=ppt/slides/slide7.xml><?xml version="1.0" encoding="utf-8"?>
 <p:sld xmlns:a="http://schemas.openxmlformats.org/drawingml/2006/main" xmlns:r="http://schemas.openxmlformats.org/officeDocument/2006/relationships" xmlns:p="http://schemas.openxmlformats.org/presentationml/2006/main">
   <p:cSld>
     <p:spTree>
@@ -10470,6 +11589,13 @@
   <p:clrMapOvr>
     <a:masterClrMapping/>
   </p:clrMapOvr>
+  <p:timing>
+    <p:tnLst>
+      <p:par>
+        <p:cTn id="1" dur="indefinite" restart="never" nodeType="tmRoot"/>
+      </p:par>
+    </p:tnLst>
+  </p:timing>
 </p:sld>
 </file>
 
